--- a/docs/ASAC_CPM_scheme.pptx
+++ b/docs/ASAC_CPM_scheme.pptx
@@ -260,7 +260,7 @@
           <a:p>
             <a:fld id="{E6644852-EB74-4B91-A61B-81C4D3B7A335}" type="datetimeFigureOut">
               <a:rPr lang="en-US" smtClean="0"/>
-              <a:t>7/31/2023</a:t>
+              <a:t>13-Oct-23</a:t>
             </a:fld>
             <a:endParaRPr lang="en-US"/>
           </a:p>
@@ -458,7 +458,7 @@
           <a:p>
             <a:fld id="{E6644852-EB74-4B91-A61B-81C4D3B7A335}" type="datetimeFigureOut">
               <a:rPr lang="en-US" smtClean="0"/>
-              <a:t>7/31/2023</a:t>
+              <a:t>13-Oct-23</a:t>
             </a:fld>
             <a:endParaRPr lang="en-US"/>
           </a:p>
@@ -666,7 +666,7 @@
           <a:p>
             <a:fld id="{E6644852-EB74-4B91-A61B-81C4D3B7A335}" type="datetimeFigureOut">
               <a:rPr lang="en-US" smtClean="0"/>
-              <a:t>7/31/2023</a:t>
+              <a:t>13-Oct-23</a:t>
             </a:fld>
             <a:endParaRPr lang="en-US"/>
           </a:p>
@@ -864,7 +864,7 @@
           <a:p>
             <a:fld id="{E6644852-EB74-4B91-A61B-81C4D3B7A335}" type="datetimeFigureOut">
               <a:rPr lang="en-US" smtClean="0"/>
-              <a:t>7/31/2023</a:t>
+              <a:t>13-Oct-23</a:t>
             </a:fld>
             <a:endParaRPr lang="en-US"/>
           </a:p>
@@ -1139,7 +1139,7 @@
           <a:p>
             <a:fld id="{E6644852-EB74-4B91-A61B-81C4D3B7A335}" type="datetimeFigureOut">
               <a:rPr lang="en-US" smtClean="0"/>
-              <a:t>7/31/2023</a:t>
+              <a:t>13-Oct-23</a:t>
             </a:fld>
             <a:endParaRPr lang="en-US"/>
           </a:p>
@@ -1404,7 +1404,7 @@
           <a:p>
             <a:fld id="{E6644852-EB74-4B91-A61B-81C4D3B7A335}" type="datetimeFigureOut">
               <a:rPr lang="en-US" smtClean="0"/>
-              <a:t>7/31/2023</a:t>
+              <a:t>13-Oct-23</a:t>
             </a:fld>
             <a:endParaRPr lang="en-US"/>
           </a:p>
@@ -1816,7 +1816,7 @@
           <a:p>
             <a:fld id="{E6644852-EB74-4B91-A61B-81C4D3B7A335}" type="datetimeFigureOut">
               <a:rPr lang="en-US" smtClean="0"/>
-              <a:t>7/31/2023</a:t>
+              <a:t>13-Oct-23</a:t>
             </a:fld>
             <a:endParaRPr lang="en-US"/>
           </a:p>
@@ -1957,7 +1957,7 @@
           <a:p>
             <a:fld id="{E6644852-EB74-4B91-A61B-81C4D3B7A335}" type="datetimeFigureOut">
               <a:rPr lang="en-US" smtClean="0"/>
-              <a:t>7/31/2023</a:t>
+              <a:t>13-Oct-23</a:t>
             </a:fld>
             <a:endParaRPr lang="en-US"/>
           </a:p>
@@ -2070,7 +2070,7 @@
           <a:p>
             <a:fld id="{E6644852-EB74-4B91-A61B-81C4D3B7A335}" type="datetimeFigureOut">
               <a:rPr lang="en-US" smtClean="0"/>
-              <a:t>7/31/2023</a:t>
+              <a:t>13-Oct-23</a:t>
             </a:fld>
             <a:endParaRPr lang="en-US"/>
           </a:p>
@@ -2381,7 +2381,7 @@
           <a:p>
             <a:fld id="{E6644852-EB74-4B91-A61B-81C4D3B7A335}" type="datetimeFigureOut">
               <a:rPr lang="en-US" smtClean="0"/>
-              <a:t>7/31/2023</a:t>
+              <a:t>13-Oct-23</a:t>
             </a:fld>
             <a:endParaRPr lang="en-US"/>
           </a:p>
@@ -2669,7 +2669,7 @@
           <a:p>
             <a:fld id="{E6644852-EB74-4B91-A61B-81C4D3B7A335}" type="datetimeFigureOut">
               <a:rPr lang="en-US" smtClean="0"/>
-              <a:t>7/31/2023</a:t>
+              <a:t>13-Oct-23</a:t>
             </a:fld>
             <a:endParaRPr lang="en-US"/>
           </a:p>
@@ -2910,7 +2910,7 @@
           <a:p>
             <a:fld id="{E6644852-EB74-4B91-A61B-81C4D3B7A335}" type="datetimeFigureOut">
               <a:rPr lang="en-US" smtClean="0"/>
-              <a:t>7/31/2023</a:t>
+              <a:t>13-Oct-23</a:t>
             </a:fld>
             <a:endParaRPr lang="en-US"/>
           </a:p>
@@ -11421,7 +11421,7 @@
           <p:nvPr>
             <p:extLst>
               <p:ext uri="{D42A27DB-BD31-4B8C-83A1-F6EECF244321}">
-                <p14:modId xmlns:p14="http://schemas.microsoft.com/office/powerpoint/2010/main" val="2849444415"/>
+                <p14:modId xmlns:p14="http://schemas.microsoft.com/office/powerpoint/2010/main" val="3491644333"/>
               </p:ext>
             </p:extLst>
           </p:nvPr>
@@ -12673,6 +12673,58 @@
           </a:graphicData>
         </a:graphic>
       </p:graphicFrame>
+      <p:sp>
+        <p:nvSpPr>
+          <p:cNvPr id="2" name="Rectangle 1">
+            <a:extLst>
+              <a:ext uri="{FF2B5EF4-FFF2-40B4-BE49-F238E27FC236}">
+                <a16:creationId xmlns:a16="http://schemas.microsoft.com/office/drawing/2014/main" id="{1FDC2E19-5006-2423-A172-A0714457A8BB}"/>
+              </a:ext>
+            </a:extLst>
+          </p:cNvPr>
+          <p:cNvSpPr/>
+          <p:nvPr/>
+        </p:nvSpPr>
+        <p:spPr>
+          <a:xfrm>
+            <a:off x="1365902" y="1399371"/>
+            <a:ext cx="8246691" cy="3819970"/>
+          </a:xfrm>
+          <a:prstGeom prst="rect">
+            <a:avLst/>
+          </a:prstGeom>
+          <a:noFill/>
+          <a:ln>
+            <a:solidFill>
+              <a:schemeClr val="bg1"/>
+            </a:solidFill>
+          </a:ln>
+        </p:spPr>
+        <p:style>
+          <a:lnRef idx="2">
+            <a:schemeClr val="accent1">
+              <a:shade val="15000"/>
+            </a:schemeClr>
+          </a:lnRef>
+          <a:fillRef idx="1">
+            <a:schemeClr val="accent1"/>
+          </a:fillRef>
+          <a:effectRef idx="0">
+            <a:schemeClr val="accent1"/>
+          </a:effectRef>
+          <a:fontRef idx="minor">
+            <a:schemeClr val="lt1"/>
+          </a:fontRef>
+        </p:style>
+        <p:txBody>
+          <a:bodyPr rtlCol="0" anchor="ctr"/>
+          <a:lstStyle/>
+          <a:p>
+            <a:pPr algn="ctr"/>
+            <a:endParaRPr lang="en-US"/>
+          </a:p>
+        </p:txBody>
+      </p:sp>
     </p:spTree>
     <p:extLst>
       <p:ext uri="{BB962C8B-B14F-4D97-AF65-F5344CB8AC3E}">

--- a/docs/ASAC_CPM_scheme.pptx
+++ b/docs/ASAC_CPM_scheme.pptx
@@ -10255,6 +10255,60 @@
           <a:chExt cx="0" cy="0"/>
         </a:xfrm>
       </p:grpSpPr>
+      <p:sp>
+        <p:nvSpPr>
+          <p:cNvPr id="2" name="Rectangle 1">
+            <a:extLst>
+              <a:ext uri="{FF2B5EF4-FFF2-40B4-BE49-F238E27FC236}">
+                <a16:creationId xmlns:a16="http://schemas.microsoft.com/office/drawing/2014/main" id="{1FDC2E19-5006-2423-A172-A0714457A8BB}"/>
+              </a:ext>
+            </a:extLst>
+          </p:cNvPr>
+          <p:cNvSpPr/>
+          <p:nvPr/>
+        </p:nvSpPr>
+        <p:spPr>
+          <a:xfrm>
+            <a:off x="1365902" y="1399371"/>
+            <a:ext cx="8246691" cy="3819970"/>
+          </a:xfrm>
+          <a:prstGeom prst="rect">
+            <a:avLst/>
+          </a:prstGeom>
+          <a:solidFill>
+            <a:schemeClr val="bg1"/>
+          </a:solidFill>
+          <a:ln>
+            <a:solidFill>
+              <a:schemeClr val="bg1"/>
+            </a:solidFill>
+          </a:ln>
+        </p:spPr>
+        <p:style>
+          <a:lnRef idx="2">
+            <a:schemeClr val="accent1">
+              <a:shade val="15000"/>
+            </a:schemeClr>
+          </a:lnRef>
+          <a:fillRef idx="1">
+            <a:schemeClr val="accent1"/>
+          </a:fillRef>
+          <a:effectRef idx="0">
+            <a:schemeClr val="accent1"/>
+          </a:effectRef>
+          <a:fontRef idx="minor">
+            <a:schemeClr val="lt1"/>
+          </a:fontRef>
+        </p:style>
+        <p:txBody>
+          <a:bodyPr rtlCol="0" anchor="ctr"/>
+          <a:lstStyle/>
+          <a:p>
+            <a:pPr algn="ctr"/>
+            <a:endParaRPr lang="en-US"/>
+          </a:p>
+        </p:txBody>
+      </p:sp>
       <p:pic>
         <p:nvPicPr>
           <p:cNvPr id="102" name="Picture 101">
@@ -11421,7 +11475,7 @@
           <p:nvPr>
             <p:extLst>
               <p:ext uri="{D42A27DB-BD31-4B8C-83A1-F6EECF244321}">
-                <p14:modId xmlns:p14="http://schemas.microsoft.com/office/powerpoint/2010/main" val="3491644333"/>
+                <p14:modId xmlns:p14="http://schemas.microsoft.com/office/powerpoint/2010/main" val="1912510488"/>
               </p:ext>
             </p:extLst>
           </p:nvPr>
@@ -12673,58 +12727,6 @@
           </a:graphicData>
         </a:graphic>
       </p:graphicFrame>
-      <p:sp>
-        <p:nvSpPr>
-          <p:cNvPr id="2" name="Rectangle 1">
-            <a:extLst>
-              <a:ext uri="{FF2B5EF4-FFF2-40B4-BE49-F238E27FC236}">
-                <a16:creationId xmlns:a16="http://schemas.microsoft.com/office/drawing/2014/main" id="{1FDC2E19-5006-2423-A172-A0714457A8BB}"/>
-              </a:ext>
-            </a:extLst>
-          </p:cNvPr>
-          <p:cNvSpPr/>
-          <p:nvPr/>
-        </p:nvSpPr>
-        <p:spPr>
-          <a:xfrm>
-            <a:off x="1365902" y="1399371"/>
-            <a:ext cx="8246691" cy="3819970"/>
-          </a:xfrm>
-          <a:prstGeom prst="rect">
-            <a:avLst/>
-          </a:prstGeom>
-          <a:noFill/>
-          <a:ln>
-            <a:solidFill>
-              <a:schemeClr val="bg1"/>
-            </a:solidFill>
-          </a:ln>
-        </p:spPr>
-        <p:style>
-          <a:lnRef idx="2">
-            <a:schemeClr val="accent1">
-              <a:shade val="15000"/>
-            </a:schemeClr>
-          </a:lnRef>
-          <a:fillRef idx="1">
-            <a:schemeClr val="accent1"/>
-          </a:fillRef>
-          <a:effectRef idx="0">
-            <a:schemeClr val="accent1"/>
-          </a:effectRef>
-          <a:fontRef idx="minor">
-            <a:schemeClr val="lt1"/>
-          </a:fontRef>
-        </p:style>
-        <p:txBody>
-          <a:bodyPr rtlCol="0" anchor="ctr"/>
-          <a:lstStyle/>
-          <a:p>
-            <a:pPr algn="ctr"/>
-            <a:endParaRPr lang="en-US"/>
-          </a:p>
-        </p:txBody>
-      </p:sp>
     </p:spTree>
     <p:extLst>
       <p:ext uri="{BB962C8B-B14F-4D97-AF65-F5344CB8AC3E}">

--- a/docs/ASAC_CPM_scheme.pptx
+++ b/docs/ASAC_CPM_scheme.pptx
@@ -11475,7 +11475,7 @@
           <p:nvPr>
             <p:extLst>
               <p:ext uri="{D42A27DB-BD31-4B8C-83A1-F6EECF244321}">
-                <p14:modId xmlns:p14="http://schemas.microsoft.com/office/powerpoint/2010/main" val="1912510488"/>
+                <p14:modId xmlns:p14="http://schemas.microsoft.com/office/powerpoint/2010/main" val="1108494976"/>
               </p:ext>
             </p:extLst>
           </p:nvPr>
